--- a/Putra_Al_Farizi_Nawatech_Case_Study.pptx
+++ b/Putra_Al_Farizi_Nawatech_Case_Study.pptx
@@ -8196,7 +8196,7 @@
         </p:nvSpPr>
         <p:spPr>
           <a:xfrm flipH="false" flipV="false" rot="0">
-            <a:off x="1581649" y="3628551"/>
+            <a:off x="1581649" y="3026775"/>
             <a:ext cx="10508457" cy="587886"/>
           </a:xfrm>
           <a:custGeom>
@@ -8242,7 +8242,7 @@
         </p:nvSpPr>
         <p:spPr>
           <a:xfrm flipH="false" flipV="false" rot="0">
-            <a:off x="1690553" y="5934075"/>
+            <a:off x="1690553" y="5332299"/>
             <a:ext cx="11107608" cy="2326594"/>
           </a:xfrm>
           <a:custGeom>
@@ -8260,10 +8260,10 @@
                   <a:pt x="11107608" y="0"/>
                 </a:lnTo>
                 <a:lnTo>
-                  <a:pt x="11107608" y="2326594"/>
-                </a:lnTo>
-                <a:lnTo>
-                  <a:pt x="0" y="2326594"/>
+                  <a:pt x="11107608" y="2326593"/>
+                </a:lnTo>
+                <a:lnTo>
+                  <a:pt x="0" y="2326593"/>
                 </a:lnTo>
                 <a:lnTo>
                   <a:pt x="0" y="0"/>
@@ -8282,7 +8282,53 @@
       </p:sp>
       <p:sp>
         <p:nvSpPr>
-          <p:cNvPr name="TextBox 8" id="8"/>
+          <p:cNvPr name="Freeform 8" id="8"/>
+          <p:cNvSpPr/>
+          <p:nvPr/>
+        </p:nvSpPr>
+        <p:spPr>
+          <a:xfrm flipH="false" flipV="false" rot="0">
+            <a:off x="1581649" y="8501254"/>
+            <a:ext cx="6755409" cy="643372"/>
+          </a:xfrm>
+          <a:custGeom>
+            <a:avLst/>
+            <a:gdLst/>
+            <a:ahLst/>
+            <a:cxnLst/>
+            <a:rect r="r" b="b" t="t" l="l"/>
+            <a:pathLst>
+              <a:path h="643372" w="6755409">
+                <a:moveTo>
+                  <a:pt x="0" y="0"/>
+                </a:moveTo>
+                <a:lnTo>
+                  <a:pt x="6755409" y="0"/>
+                </a:lnTo>
+                <a:lnTo>
+                  <a:pt x="6755409" y="643373"/>
+                </a:lnTo>
+                <a:lnTo>
+                  <a:pt x="0" y="643373"/>
+                </a:lnTo>
+                <a:lnTo>
+                  <a:pt x="0" y="0"/>
+                </a:lnTo>
+                <a:close/>
+              </a:path>
+            </a:pathLst>
+          </a:custGeom>
+          <a:blipFill>
+            <a:blip r:embed="rId12"/>
+            <a:stretch>
+              <a:fillRect l="0" t="0" r="0" b="0"/>
+            </a:stretch>
+          </a:blipFill>
+        </p:spPr>
+      </p:sp>
+      <p:sp>
+        <p:nvSpPr>
+          <p:cNvPr name="TextBox 9" id="9"/>
           <p:cNvSpPr txBox="true"/>
           <p:nvPr/>
         </p:nvSpPr>
@@ -8323,13 +8369,13 @@
       </p:sp>
       <p:sp>
         <p:nvSpPr>
-          <p:cNvPr name="TextBox 9" id="9"/>
+          <p:cNvPr name="TextBox 10" id="10"/>
           <p:cNvSpPr txBox="true"/>
           <p:nvPr/>
         </p:nvSpPr>
         <p:spPr>
           <a:xfrm rot="0">
-            <a:off x="1028700" y="2850103"/>
+            <a:off x="1028700" y="2248327"/>
             <a:ext cx="16230600" cy="464123"/>
           </a:xfrm>
           <a:prstGeom prst="rect">
@@ -8366,13 +8412,13 @@
       </p:sp>
       <p:sp>
         <p:nvSpPr>
-          <p:cNvPr name="TextBox 10" id="10"/>
+          <p:cNvPr name="TextBox 11" id="11"/>
           <p:cNvSpPr txBox="true"/>
           <p:nvPr/>
         </p:nvSpPr>
         <p:spPr>
           <a:xfrm rot="0">
-            <a:off x="1028700" y="4679377"/>
+            <a:off x="1028700" y="4077601"/>
             <a:ext cx="16230600" cy="940373"/>
           </a:xfrm>
           <a:prstGeom prst="rect">
@@ -8403,6 +8449,49 @@
                 <a:sym typeface="Canva Sans"/>
               </a:rPr>
               <a:t>LangChain RAG pipeline: A RAG flow that automatically retrieves documents, collates them, queries the LLM, and then returns a text answer. </a:t>
+            </a:r>
+          </a:p>
+        </p:txBody>
+      </p:sp>
+      <p:sp>
+        <p:nvSpPr>
+          <p:cNvPr name="TextBox 12" id="12"/>
+          <p:cNvSpPr txBox="true"/>
+          <p:nvPr/>
+        </p:nvSpPr>
+        <p:spPr>
+          <a:xfrm rot="0">
+            <a:off x="1028700" y="7916067"/>
+            <a:ext cx="16230600" cy="464123"/>
+          </a:xfrm>
+          <a:prstGeom prst="rect">
+            <a:avLst/>
+          </a:prstGeom>
+        </p:spPr>
+        <p:txBody>
+          <a:bodyPr anchor="t" rtlCol="false" tIns="0" lIns="0" bIns="0" rIns="0">
+            <a:spAutoFit/>
+          </a:bodyPr>
+          <a:lstStyle/>
+          <a:p>
+            <a:pPr algn="l" marL="588855" indent="-294427" lvl="1">
+              <a:lnSpc>
+                <a:spcPts val="3818"/>
+              </a:lnSpc>
+              <a:buFont typeface="Arial"/>
+              <a:buChar char="•"/>
+            </a:pPr>
+            <a:r>
+              <a:rPr lang="en-US" sz="2727">
+                <a:solidFill>
+                  <a:srgbClr val="000000"/>
+                </a:solidFill>
+                <a:latin typeface="Canva Sans"/>
+                <a:ea typeface="Canva Sans"/>
+                <a:cs typeface="Canva Sans"/>
+                <a:sym typeface="Canva Sans"/>
+              </a:rPr>
+              <a:t>Generate Answer</a:t>
             </a:r>
           </a:p>
         </p:txBody>

--- a/Putra_Al_Farizi_Nawatech_Case_Study.pptx
+++ b/Putra_Al_Farizi_Nawatech_Case_Study.pptx
@@ -12203,7 +12203,31 @@
                 <a:cs typeface="Canva Sans"/>
                 <a:sym typeface="Canva Sans"/>
               </a:rPr>
-              <a:t>Don't forget to change the fire key </a:t>
+              <a:t>Don't forget to change </a:t>
+            </a:r>
+            <a:r>
+              <a:rPr lang="en-US" sz="3099">
+                <a:solidFill>
+                  <a:srgbClr val="000000"/>
+                </a:solidFill>
+                <a:latin typeface="Canva Sans"/>
+                <a:ea typeface="Canva Sans"/>
+                <a:cs typeface="Canva Sans"/>
+                <a:sym typeface="Canva Sans"/>
+              </a:rPr>
+              <a:t>the API </a:t>
+            </a:r>
+            <a:r>
+              <a:rPr lang="en-US" sz="3099" dirty="0">
+                <a:solidFill>
+                  <a:srgbClr val="000000"/>
+                </a:solidFill>
+                <a:latin typeface="Canva Sans"/>
+                <a:ea typeface="Canva Sans"/>
+                <a:cs typeface="Canva Sans"/>
+                <a:sym typeface="Canva Sans"/>
+              </a:rPr>
+              <a:t>key </a:t>
             </a:r>
           </a:p>
           <a:p>
